--- a/2/Apresentação 1.pptx
+++ b/2/Apresentação 1.pptx
@@ -4164,10 +4164,10 @@
       </p:sp>
       <p:pic>
         <p:nvPicPr>
-          <p:cNvPr id="4" name="Picture 4">
+          <p:cNvPr id="5" name="Picture 5">
             <a:extLst>
               <a:ext uri="{FF2B5EF4-FFF2-40B4-BE49-F238E27FC236}">
-                <a16:creationId xmlns:a16="http://schemas.microsoft.com/office/drawing/2014/main" id="{627EF3BB-53D1-4461-A0A0-D4587B0F1C94}"/>
+                <a16:creationId xmlns:a16="http://schemas.microsoft.com/office/drawing/2014/main" id="{E1225022-3114-445D-82E2-721EC0E20A91}"/>
               </a:ext>
             </a:extLst>
           </p:cNvPr>
@@ -4184,8 +4184,8 @@
         </p:blipFill>
         <p:spPr>
           <a:xfrm>
-            <a:off x="1042416" y="3866369"/>
-            <a:ext cx="9320784" cy="844335"/>
+            <a:off x="835152" y="3912241"/>
+            <a:ext cx="8058912" cy="1740142"/>
           </a:xfrm>
           <a:prstGeom prst="rect">
             <a:avLst/>
